--- a/week-03/day-03-05/Péter JOLÁNKAI demo 3.pptx
+++ b/week-03/day-03-05/Péter JOLÁNKAI demo 3.pptx
@@ -298,7 +298,7 @@
             <a:fld id="{3BC48CB6-E707-4CA7-8DD7-E3A65E07FCB1}" type="datetimeFigureOut">
               <a:rPr lang="hu-HU" smtClean="0"/>
               <a:pPr/>
-              <a:t>2017.10.18.</a:t>
+              <a:t>2017.10.19.</a:t>
             </a:fld>
             <a:endParaRPr lang="hu-HU"/>
           </a:p>
@@ -465,7 +465,7 @@
             <a:fld id="{3BC48CB6-E707-4CA7-8DD7-E3A65E07FCB1}" type="datetimeFigureOut">
               <a:rPr lang="hu-HU" smtClean="0"/>
               <a:pPr/>
-              <a:t>2017.10.18.</a:t>
+              <a:t>2017.10.19.</a:t>
             </a:fld>
             <a:endParaRPr lang="hu-HU"/>
           </a:p>
@@ -642,7 +642,7 @@
             <a:fld id="{3BC48CB6-E707-4CA7-8DD7-E3A65E07FCB1}" type="datetimeFigureOut">
               <a:rPr lang="hu-HU" smtClean="0"/>
               <a:pPr/>
-              <a:t>2017.10.18.</a:t>
+              <a:t>2017.10.19.</a:t>
             </a:fld>
             <a:endParaRPr lang="hu-HU"/>
           </a:p>
@@ -809,7 +809,7 @@
             <a:fld id="{3BC48CB6-E707-4CA7-8DD7-E3A65E07FCB1}" type="datetimeFigureOut">
               <a:rPr lang="hu-HU" smtClean="0"/>
               <a:pPr/>
-              <a:t>2017.10.18.</a:t>
+              <a:t>2017.10.19.</a:t>
             </a:fld>
             <a:endParaRPr lang="hu-HU"/>
           </a:p>
@@ -1052,7 +1052,7 @@
             <a:fld id="{3BC48CB6-E707-4CA7-8DD7-E3A65E07FCB1}" type="datetimeFigureOut">
               <a:rPr lang="hu-HU" smtClean="0"/>
               <a:pPr/>
-              <a:t>2017.10.18.</a:t>
+              <a:t>2017.10.19.</a:t>
             </a:fld>
             <a:endParaRPr lang="hu-HU"/>
           </a:p>
@@ -1337,7 +1337,7 @@
             <a:fld id="{3BC48CB6-E707-4CA7-8DD7-E3A65E07FCB1}" type="datetimeFigureOut">
               <a:rPr lang="hu-HU" smtClean="0"/>
               <a:pPr/>
-              <a:t>2017.10.18.</a:t>
+              <a:t>2017.10.19.</a:t>
             </a:fld>
             <a:endParaRPr lang="hu-HU"/>
           </a:p>
@@ -1756,7 +1756,7 @@
             <a:fld id="{3BC48CB6-E707-4CA7-8DD7-E3A65E07FCB1}" type="datetimeFigureOut">
               <a:rPr lang="hu-HU" smtClean="0"/>
               <a:pPr/>
-              <a:t>2017.10.18.</a:t>
+              <a:t>2017.10.19.</a:t>
             </a:fld>
             <a:endParaRPr lang="hu-HU"/>
           </a:p>
@@ -1871,7 +1871,7 @@
             <a:fld id="{3BC48CB6-E707-4CA7-8DD7-E3A65E07FCB1}" type="datetimeFigureOut">
               <a:rPr lang="hu-HU" smtClean="0"/>
               <a:pPr/>
-              <a:t>2017.10.18.</a:t>
+              <a:t>2017.10.19.</a:t>
             </a:fld>
             <a:endParaRPr lang="hu-HU"/>
           </a:p>
@@ -1963,7 +1963,7 @@
             <a:fld id="{3BC48CB6-E707-4CA7-8DD7-E3A65E07FCB1}" type="datetimeFigureOut">
               <a:rPr lang="hu-HU" smtClean="0"/>
               <a:pPr/>
-              <a:t>2017.10.18.</a:t>
+              <a:t>2017.10.19.</a:t>
             </a:fld>
             <a:endParaRPr lang="hu-HU"/>
           </a:p>
@@ -2237,7 +2237,7 @@
             <a:fld id="{3BC48CB6-E707-4CA7-8DD7-E3A65E07FCB1}" type="datetimeFigureOut">
               <a:rPr lang="hu-HU" smtClean="0"/>
               <a:pPr/>
-              <a:t>2017.10.18.</a:t>
+              <a:t>2017.10.19.</a:t>
             </a:fld>
             <a:endParaRPr lang="hu-HU"/>
           </a:p>
@@ -2487,7 +2487,7 @@
             <a:fld id="{3BC48CB6-E707-4CA7-8DD7-E3A65E07FCB1}" type="datetimeFigureOut">
               <a:rPr lang="hu-HU" smtClean="0"/>
               <a:pPr/>
-              <a:t>2017.10.18.</a:t>
+              <a:t>2017.10.19.</a:t>
             </a:fld>
             <a:endParaRPr lang="hu-HU"/>
           </a:p>
@@ -2723,7 +2723,7 @@
             <a:fld id="{3BC48CB6-E707-4CA7-8DD7-E3A65E07FCB1}" type="datetimeFigureOut">
               <a:rPr lang="hu-HU" smtClean="0"/>
               <a:pPr/>
-              <a:t>2017.10.18.</a:t>
+              <a:t>2017.10.19.</a:t>
             </a:fld>
             <a:endParaRPr lang="hu-HU"/>
           </a:p>
@@ -3145,8 +3145,8 @@
           <a:lstStyle/>
           <a:p>
             <a:r>
-              <a:rPr lang="hu-HU" dirty="0" smtClean="0"/>
-              <a:t>2rd  </a:t>
+              <a:rPr lang="hu-HU" smtClean="0"/>
+              <a:t>3rd  </a:t>
             </a:r>
             <a:r>
               <a:rPr lang="hu-HU" dirty="0" smtClean="0"/>
@@ -3413,7 +3413,6 @@
               <a:rPr lang="hu-HU" sz="3200" dirty="0" smtClean="0"/>
               <a:t> </a:t>
             </a:r>
-            <a:endParaRPr lang="hu-HU" sz="3200" dirty="0" smtClean="0"/>
           </a:p>
           <a:p>
             <a:pPr lvl="0" algn="ctr">

--- a/week-03/day-03-05/Péter JOLÁNKAI demo 3.pptx
+++ b/week-03/day-03-05/Péter JOLÁNKAI demo 3.pptx
@@ -8,13 +8,15 @@
     <p:sldId id="256" r:id="rId2"/>
     <p:sldId id="257" r:id="rId3"/>
     <p:sldId id="258" r:id="rId4"/>
-    <p:sldId id="262" r:id="rId5"/>
-    <p:sldId id="264" r:id="rId6"/>
-    <p:sldId id="265" r:id="rId7"/>
-    <p:sldId id="259" r:id="rId8"/>
-    <p:sldId id="260" r:id="rId9"/>
-    <p:sldId id="263" r:id="rId10"/>
-    <p:sldId id="261" r:id="rId11"/>
+    <p:sldId id="267" r:id="rId5"/>
+    <p:sldId id="262" r:id="rId6"/>
+    <p:sldId id="264" r:id="rId7"/>
+    <p:sldId id="266" r:id="rId8"/>
+    <p:sldId id="265" r:id="rId9"/>
+    <p:sldId id="259" r:id="rId10"/>
+    <p:sldId id="260" r:id="rId11"/>
+    <p:sldId id="263" r:id="rId12"/>
+    <p:sldId id="261" r:id="rId13"/>
   </p:sldIdLst>
   <p:sldSz cx="9144000" cy="6858000" type="screen4x3"/>
   <p:notesSz cx="6858000" cy="9144000"/>
@@ -298,7 +300,7 @@
             <a:fld id="{3BC48CB6-E707-4CA7-8DD7-E3A65E07FCB1}" type="datetimeFigureOut">
               <a:rPr lang="hu-HU" smtClean="0"/>
               <a:pPr/>
-              <a:t>2017.10.19.</a:t>
+              <a:t>2017.10.20.</a:t>
             </a:fld>
             <a:endParaRPr lang="hu-HU"/>
           </a:p>
@@ -465,7 +467,7 @@
             <a:fld id="{3BC48CB6-E707-4CA7-8DD7-E3A65E07FCB1}" type="datetimeFigureOut">
               <a:rPr lang="hu-HU" smtClean="0"/>
               <a:pPr/>
-              <a:t>2017.10.19.</a:t>
+              <a:t>2017.10.20.</a:t>
             </a:fld>
             <a:endParaRPr lang="hu-HU"/>
           </a:p>
@@ -642,7 +644,7 @@
             <a:fld id="{3BC48CB6-E707-4CA7-8DD7-E3A65E07FCB1}" type="datetimeFigureOut">
               <a:rPr lang="hu-HU" smtClean="0"/>
               <a:pPr/>
-              <a:t>2017.10.19.</a:t>
+              <a:t>2017.10.20.</a:t>
             </a:fld>
             <a:endParaRPr lang="hu-HU"/>
           </a:p>
@@ -809,7 +811,7 @@
             <a:fld id="{3BC48CB6-E707-4CA7-8DD7-E3A65E07FCB1}" type="datetimeFigureOut">
               <a:rPr lang="hu-HU" smtClean="0"/>
               <a:pPr/>
-              <a:t>2017.10.19.</a:t>
+              <a:t>2017.10.20.</a:t>
             </a:fld>
             <a:endParaRPr lang="hu-HU"/>
           </a:p>
@@ -1052,7 +1054,7 @@
             <a:fld id="{3BC48CB6-E707-4CA7-8DD7-E3A65E07FCB1}" type="datetimeFigureOut">
               <a:rPr lang="hu-HU" smtClean="0"/>
               <a:pPr/>
-              <a:t>2017.10.19.</a:t>
+              <a:t>2017.10.20.</a:t>
             </a:fld>
             <a:endParaRPr lang="hu-HU"/>
           </a:p>
@@ -1337,7 +1339,7 @@
             <a:fld id="{3BC48CB6-E707-4CA7-8DD7-E3A65E07FCB1}" type="datetimeFigureOut">
               <a:rPr lang="hu-HU" smtClean="0"/>
               <a:pPr/>
-              <a:t>2017.10.19.</a:t>
+              <a:t>2017.10.20.</a:t>
             </a:fld>
             <a:endParaRPr lang="hu-HU"/>
           </a:p>
@@ -1756,7 +1758,7 @@
             <a:fld id="{3BC48CB6-E707-4CA7-8DD7-E3A65E07FCB1}" type="datetimeFigureOut">
               <a:rPr lang="hu-HU" smtClean="0"/>
               <a:pPr/>
-              <a:t>2017.10.19.</a:t>
+              <a:t>2017.10.20.</a:t>
             </a:fld>
             <a:endParaRPr lang="hu-HU"/>
           </a:p>
@@ -1871,7 +1873,7 @@
             <a:fld id="{3BC48CB6-E707-4CA7-8DD7-E3A65E07FCB1}" type="datetimeFigureOut">
               <a:rPr lang="hu-HU" smtClean="0"/>
               <a:pPr/>
-              <a:t>2017.10.19.</a:t>
+              <a:t>2017.10.20.</a:t>
             </a:fld>
             <a:endParaRPr lang="hu-HU"/>
           </a:p>
@@ -1963,7 +1965,7 @@
             <a:fld id="{3BC48CB6-E707-4CA7-8DD7-E3A65E07FCB1}" type="datetimeFigureOut">
               <a:rPr lang="hu-HU" smtClean="0"/>
               <a:pPr/>
-              <a:t>2017.10.19.</a:t>
+              <a:t>2017.10.20.</a:t>
             </a:fld>
             <a:endParaRPr lang="hu-HU"/>
           </a:p>
@@ -2237,7 +2239,7 @@
             <a:fld id="{3BC48CB6-E707-4CA7-8DD7-E3A65E07FCB1}" type="datetimeFigureOut">
               <a:rPr lang="hu-HU" smtClean="0"/>
               <a:pPr/>
-              <a:t>2017.10.19.</a:t>
+              <a:t>2017.10.20.</a:t>
             </a:fld>
             <a:endParaRPr lang="hu-HU"/>
           </a:p>
@@ -2487,7 +2489,7 @@
             <a:fld id="{3BC48CB6-E707-4CA7-8DD7-E3A65E07FCB1}" type="datetimeFigureOut">
               <a:rPr lang="hu-HU" smtClean="0"/>
               <a:pPr/>
-              <a:t>2017.10.19.</a:t>
+              <a:t>2017.10.20.</a:t>
             </a:fld>
             <a:endParaRPr lang="hu-HU"/>
           </a:p>
@@ -2723,7 +2725,7 @@
             <a:fld id="{3BC48CB6-E707-4CA7-8DD7-E3A65E07FCB1}" type="datetimeFigureOut">
               <a:rPr lang="hu-HU" smtClean="0"/>
               <a:pPr/>
-              <a:t>2017.10.19.</a:t>
+              <a:t>2017.10.20.</a:t>
             </a:fld>
             <a:endParaRPr lang="hu-HU"/>
           </a:p>
@@ -3261,39 +3263,6 @@
           </a:effectLst>
         </p:spPr>
       </p:pic>
-      <p:pic>
-        <p:nvPicPr>
-          <p:cNvPr id="1030" name="Picture 6"/>
-          <p:cNvPicPr>
-            <a:picLocks noChangeAspect="1" noChangeArrowheads="1"/>
-          </p:cNvPicPr>
-          <p:nvPr/>
-        </p:nvPicPr>
-        <p:blipFill>
-          <a:blip r:embed="rId3" cstate="print"/>
-          <a:srcRect/>
-          <a:stretch>
-            <a:fillRect/>
-          </a:stretch>
-        </p:blipFill>
-        <p:spPr bwMode="auto">
-          <a:xfrm>
-            <a:off x="6286512" y="357166"/>
-            <a:ext cx="1941686" cy="2143116"/>
-          </a:xfrm>
-          <a:prstGeom prst="rect">
-            <a:avLst/>
-          </a:prstGeom>
-          <a:noFill/>
-          <a:ln w="9525">
-            <a:noFill/>
-            <a:miter lim="800000"/>
-            <a:headEnd/>
-            <a:tailEnd/>
-          </a:ln>
-          <a:effectLst/>
-        </p:spPr>
-      </p:pic>
       <p:sp>
         <p:nvSpPr>
           <p:cNvPr id="8" name="Alcím 2"/>
@@ -3443,6 +3412,39 @@
           </a:p>
         </p:txBody>
       </p:sp>
+      <p:pic>
+        <p:nvPicPr>
+          <p:cNvPr id="10242" name="Picture 2"/>
+          <p:cNvPicPr>
+            <a:picLocks noChangeAspect="1" noChangeArrowheads="1"/>
+          </p:cNvPicPr>
+          <p:nvPr/>
+        </p:nvPicPr>
+        <p:blipFill>
+          <a:blip r:embed="rId3"/>
+          <a:srcRect/>
+          <a:stretch>
+            <a:fillRect/>
+          </a:stretch>
+        </p:blipFill>
+        <p:spPr bwMode="auto">
+          <a:xfrm>
+            <a:off x="6572264" y="214289"/>
+            <a:ext cx="1714512" cy="2743219"/>
+          </a:xfrm>
+          <a:prstGeom prst="rect">
+            <a:avLst/>
+          </a:prstGeom>
+          <a:noFill/>
+          <a:ln w="9525">
+            <a:noFill/>
+            <a:miter lim="800000"/>
+            <a:headEnd/>
+            <a:tailEnd/>
+          </a:ln>
+          <a:effectLst/>
+        </p:spPr>
+      </p:pic>
     </p:spTree>
   </p:cSld>
   <p:clrMapOvr>
@@ -3477,6 +3479,530 @@
       </p:grpSpPr>
       <p:pic>
         <p:nvPicPr>
+          <p:cNvPr id="8194" name="Picture 2" descr="Képtalálat a következőre: „calculator broken”"/>
+          <p:cNvPicPr>
+            <a:picLocks noChangeAspect="1" noChangeArrowheads="1"/>
+          </p:cNvPicPr>
+          <p:nvPr/>
+        </p:nvPicPr>
+        <p:blipFill>
+          <a:blip r:embed="rId2"/>
+          <a:srcRect/>
+          <a:stretch>
+            <a:fillRect/>
+          </a:stretch>
+        </p:blipFill>
+        <p:spPr bwMode="auto">
+          <a:xfrm>
+            <a:off x="1785918" y="2500306"/>
+            <a:ext cx="6096000" cy="2476501"/>
+          </a:xfrm>
+          <a:prstGeom prst="rect">
+            <a:avLst/>
+          </a:prstGeom>
+          <a:noFill/>
+        </p:spPr>
+      </p:pic>
+      <p:sp>
+        <p:nvSpPr>
+          <p:cNvPr id="4" name="Szövegdoboz 3"/>
+          <p:cNvSpPr txBox="1"/>
+          <p:nvPr/>
+        </p:nvSpPr>
+        <p:spPr>
+          <a:xfrm>
+            <a:off x="571472" y="928670"/>
+            <a:ext cx="8143932" cy="954107"/>
+          </a:xfrm>
+          <a:prstGeom prst="rect">
+            <a:avLst/>
+          </a:prstGeom>
+          <a:noFill/>
+        </p:spPr>
+        <p:txBody>
+          <a:bodyPr wrap="square" rtlCol="0">
+            <a:spAutoFit/>
+          </a:bodyPr>
+          <a:lstStyle/>
+          <a:p>
+            <a:r>
+              <a:rPr lang="hu-HU" sz="2800" dirty="0" err="1" smtClean="0"/>
+              <a:t>My</a:t>
+            </a:r>
+            <a:r>
+              <a:rPr lang="hu-HU" sz="2800" dirty="0" smtClean="0"/>
+              <a:t> </a:t>
+            </a:r>
+            <a:r>
+              <a:rPr lang="hu-HU" sz="2800" dirty="0" err="1" smtClean="0"/>
+              <a:t>calculator</a:t>
+            </a:r>
+            <a:r>
+              <a:rPr lang="hu-HU" sz="2800" dirty="0" smtClean="0"/>
+              <a:t> is </a:t>
+            </a:r>
+            <a:r>
+              <a:rPr lang="hu-HU" sz="2800" dirty="0" err="1" smtClean="0"/>
+              <a:t>not</a:t>
+            </a:r>
+            <a:r>
+              <a:rPr lang="hu-HU" sz="2800" dirty="0" smtClean="0"/>
+              <a:t> </a:t>
+            </a:r>
+            <a:r>
+              <a:rPr lang="hu-HU" sz="2800" dirty="0" err="1" smtClean="0"/>
+              <a:t>working</a:t>
+            </a:r>
+            <a:r>
+              <a:rPr lang="hu-HU" sz="2800" dirty="0" smtClean="0"/>
+              <a:t> 100%, </a:t>
+            </a:r>
+            <a:r>
+              <a:rPr lang="hu-HU" sz="2800" dirty="0" err="1" smtClean="0"/>
+              <a:t>some</a:t>
+            </a:r>
+            <a:r>
+              <a:rPr lang="hu-HU" sz="2800" dirty="0" smtClean="0"/>
+              <a:t> </a:t>
+            </a:r>
+            <a:r>
+              <a:rPr lang="hu-HU" sz="2800" dirty="0" err="1" smtClean="0"/>
+              <a:t>functions</a:t>
+            </a:r>
+            <a:r>
+              <a:rPr lang="hu-HU" sz="2800" dirty="0" smtClean="0"/>
+              <a:t> </a:t>
+            </a:r>
+            <a:r>
+              <a:rPr lang="hu-HU" sz="2800" dirty="0" err="1" smtClean="0"/>
+              <a:t>are</a:t>
+            </a:r>
+            <a:r>
+              <a:rPr lang="hu-HU" sz="2800" dirty="0" smtClean="0"/>
+              <a:t> </a:t>
+            </a:r>
+            <a:r>
+              <a:rPr lang="hu-HU" sz="2800" dirty="0" err="1" smtClean="0"/>
+              <a:t>missing</a:t>
+            </a:r>
+            <a:r>
+              <a:rPr lang="hu-HU" sz="2800" dirty="0" smtClean="0"/>
+              <a:t>, </a:t>
+            </a:r>
+            <a:r>
+              <a:rPr lang="hu-HU" sz="2800" dirty="0" err="1" smtClean="0"/>
+              <a:t>but</a:t>
+            </a:r>
+            <a:r>
+              <a:rPr lang="hu-HU" sz="2800" dirty="0" smtClean="0"/>
+              <a:t> I am </a:t>
+            </a:r>
+            <a:r>
+              <a:rPr lang="hu-HU" sz="2800" dirty="0" err="1" smtClean="0"/>
+              <a:t>on</a:t>
+            </a:r>
+            <a:r>
+              <a:rPr lang="hu-HU" sz="2800" dirty="0" smtClean="0"/>
+              <a:t> </a:t>
+            </a:r>
+            <a:r>
+              <a:rPr lang="hu-HU" sz="2800" dirty="0" err="1" smtClean="0"/>
+              <a:t>to</a:t>
+            </a:r>
+            <a:r>
+              <a:rPr lang="hu-HU" sz="2800" dirty="0" smtClean="0"/>
+              <a:t> fix </a:t>
+            </a:r>
+            <a:r>
+              <a:rPr lang="hu-HU" sz="2800" dirty="0" err="1" smtClean="0"/>
+              <a:t>it</a:t>
+            </a:r>
+            <a:r>
+              <a:rPr lang="hu-HU" sz="2800" dirty="0" smtClean="0"/>
+              <a:t>.</a:t>
+            </a:r>
+            <a:endParaRPr lang="hu-HU" sz="2800" dirty="0"/>
+          </a:p>
+        </p:txBody>
+      </p:sp>
+    </p:spTree>
+  </p:cSld>
+  <p:clrMapOvr>
+    <a:masterClrMapping/>
+  </p:clrMapOvr>
+  <p:timing>
+    <p:tnLst>
+      <p:par>
+        <p:cTn id="1" dur="indefinite" restart="never" nodeType="tmRoot"/>
+      </p:par>
+    </p:tnLst>
+  </p:timing>
+</p:sld>
+</file>
+
+<file path=ppt/slides/slide11.xml><?xml version="1.0" encoding="utf-8"?>
+<p:sld xmlns:a="http://schemas.openxmlformats.org/drawingml/2006/main" xmlns:r="http://schemas.openxmlformats.org/officeDocument/2006/relationships" xmlns:p="http://schemas.openxmlformats.org/presentationml/2006/main">
+  <p:cSld>
+    <p:spTree>
+      <p:nvGrpSpPr>
+        <p:cNvPr id="1" name=""/>
+        <p:cNvGrpSpPr/>
+        <p:nvPr/>
+      </p:nvGrpSpPr>
+      <p:grpSpPr>
+        <a:xfrm>
+          <a:off x="0" y="0"/>
+          <a:ext cx="0" cy="0"/>
+          <a:chOff x="0" y="0"/>
+          <a:chExt cx="0" cy="0"/>
+        </a:xfrm>
+      </p:grpSpPr>
+      <p:sp>
+        <p:nvSpPr>
+          <p:cNvPr id="4" name="Szövegdoboz 3"/>
+          <p:cNvSpPr txBox="1"/>
+          <p:nvPr/>
+        </p:nvSpPr>
+        <p:spPr>
+          <a:xfrm>
+            <a:off x="571472" y="928670"/>
+            <a:ext cx="8143932" cy="954107"/>
+          </a:xfrm>
+          <a:prstGeom prst="rect">
+            <a:avLst/>
+          </a:prstGeom>
+          <a:noFill/>
+        </p:spPr>
+        <p:txBody>
+          <a:bodyPr wrap="square" rtlCol="0">
+            <a:spAutoFit/>
+          </a:bodyPr>
+          <a:lstStyle/>
+          <a:p>
+            <a:r>
+              <a:rPr lang="hu-HU" sz="2800" dirty="0" err="1" smtClean="0"/>
+              <a:t>My</a:t>
+            </a:r>
+            <a:r>
+              <a:rPr lang="hu-HU" sz="2800" dirty="0" smtClean="0"/>
+              <a:t> </a:t>
+            </a:r>
+            <a:r>
+              <a:rPr lang="hu-HU" sz="2800" dirty="0" err="1" smtClean="0"/>
+              <a:t>future</a:t>
+            </a:r>
+            <a:r>
+              <a:rPr lang="hu-HU" sz="2800" dirty="0" smtClean="0"/>
+              <a:t> </a:t>
+            </a:r>
+            <a:r>
+              <a:rPr lang="hu-HU" sz="2800" dirty="0" err="1" smtClean="0"/>
+              <a:t>goal</a:t>
+            </a:r>
+            <a:r>
+              <a:rPr lang="hu-HU" sz="2800" dirty="0" smtClean="0"/>
+              <a:t> is </a:t>
+            </a:r>
+            <a:r>
+              <a:rPr lang="hu-HU" sz="2800" dirty="0" err="1" smtClean="0"/>
+              <a:t>to</a:t>
+            </a:r>
+            <a:r>
+              <a:rPr lang="hu-HU" sz="2800" dirty="0" smtClean="0"/>
+              <a:t> </a:t>
+            </a:r>
+            <a:r>
+              <a:rPr lang="hu-HU" sz="2800" dirty="0" err="1" smtClean="0"/>
+              <a:t>became</a:t>
+            </a:r>
+            <a:r>
+              <a:rPr lang="hu-HU" sz="2800" dirty="0" smtClean="0"/>
+              <a:t> a</a:t>
+            </a:r>
+            <a:r>
+              <a:rPr lang="hu-HU" sz="2800" dirty="0" smtClean="0"/>
+              <a:t> </a:t>
+            </a:r>
+            <a:r>
+              <a:rPr lang="hu-HU" sz="2800" dirty="0" err="1" smtClean="0"/>
+              <a:t>plc</a:t>
+            </a:r>
+            <a:r>
+              <a:rPr lang="hu-HU" sz="2800" dirty="0" smtClean="0"/>
+              <a:t> </a:t>
+            </a:r>
+            <a:r>
+              <a:rPr lang="hu-HU" sz="2800" dirty="0" err="1" smtClean="0"/>
+              <a:t>programmer</a:t>
+            </a:r>
+            <a:r>
+              <a:rPr lang="hu-HU" sz="2800" dirty="0" smtClean="0"/>
+              <a:t>, and </a:t>
+            </a:r>
+            <a:r>
+              <a:rPr lang="hu-HU" sz="2800" dirty="0" err="1" smtClean="0"/>
+              <a:t>develop</a:t>
+            </a:r>
+            <a:r>
+              <a:rPr lang="hu-HU" sz="2800" dirty="0" smtClean="0"/>
+              <a:t> </a:t>
+            </a:r>
+            <a:r>
+              <a:rPr lang="hu-HU" sz="2800" dirty="0" err="1" smtClean="0"/>
+              <a:t>robots</a:t>
+            </a:r>
+            <a:r>
+              <a:rPr lang="hu-HU" sz="2800" dirty="0" smtClean="0"/>
+              <a:t> </a:t>
+            </a:r>
+            <a:r>
+              <a:rPr lang="hu-HU" sz="2800" dirty="0" err="1" smtClean="0"/>
+              <a:t>with</a:t>
+            </a:r>
+            <a:r>
+              <a:rPr lang="hu-HU" sz="2800" dirty="0" smtClean="0"/>
+              <a:t> </a:t>
+            </a:r>
+            <a:r>
+              <a:rPr lang="hu-HU" sz="2800" dirty="0" err="1" smtClean="0"/>
+              <a:t>many</a:t>
+            </a:r>
+            <a:r>
+              <a:rPr lang="hu-HU" sz="2800" dirty="0" smtClean="0"/>
+              <a:t> </a:t>
+            </a:r>
+            <a:r>
+              <a:rPr lang="hu-HU" sz="2800" dirty="0" err="1" smtClean="0"/>
+              <a:t>purposes</a:t>
+            </a:r>
+            <a:r>
+              <a:rPr lang="hu-HU" sz="2800" dirty="0" smtClean="0"/>
+              <a:t> </a:t>
+            </a:r>
+            <a:r>
+              <a:rPr lang="hu-HU" sz="2800" dirty="0" err="1" smtClean="0"/>
+              <a:t>in</a:t>
+            </a:r>
+            <a:r>
+              <a:rPr lang="hu-HU" sz="2800" dirty="0" smtClean="0"/>
+              <a:t> </a:t>
+            </a:r>
+            <a:r>
+              <a:rPr lang="hu-HU" sz="2800" dirty="0" err="1" smtClean="0"/>
+              <a:t>our</a:t>
+            </a:r>
+            <a:r>
+              <a:rPr lang="hu-HU" sz="2800" dirty="0" smtClean="0"/>
+              <a:t> </a:t>
+            </a:r>
+            <a:r>
+              <a:rPr lang="hu-HU" sz="2800" dirty="0" err="1" smtClean="0"/>
+              <a:t>future</a:t>
+            </a:r>
+            <a:r>
+              <a:rPr lang="hu-HU" sz="2800" dirty="0" smtClean="0"/>
+              <a:t>.</a:t>
+            </a:r>
+            <a:endParaRPr lang="hu-HU" sz="2800" dirty="0"/>
+          </a:p>
+        </p:txBody>
+      </p:sp>
+      <p:sp>
+        <p:nvSpPr>
+          <p:cNvPr id="7170" name="AutoShape 2" descr="Képtalálat a következőre: „delivery drone”"/>
+          <p:cNvSpPr>
+            <a:spLocks noChangeAspect="1" noChangeArrowheads="1"/>
+          </p:cNvSpPr>
+          <p:nvPr/>
+        </p:nvSpPr>
+        <p:spPr bwMode="auto">
+          <a:xfrm>
+            <a:off x="155575" y="-144463"/>
+            <a:ext cx="304800" cy="304801"/>
+          </a:xfrm>
+          <a:prstGeom prst="rect">
+            <a:avLst/>
+          </a:prstGeom>
+          <a:noFill/>
+        </p:spPr>
+        <p:txBody>
+          <a:bodyPr vert="horz" wrap="square" lIns="91440" tIns="45720" rIns="91440" bIns="45720" numCol="1" anchor="t" anchorCtr="0" compatLnSpc="1">
+            <a:prstTxWarp prst="textNoShape">
+              <a:avLst/>
+            </a:prstTxWarp>
+          </a:bodyPr>
+          <a:lstStyle/>
+          <a:p>
+            <a:endParaRPr lang="hu-HU"/>
+          </a:p>
+        </p:txBody>
+      </p:sp>
+      <p:pic>
+        <p:nvPicPr>
+          <p:cNvPr id="7171" name="Picture 3"/>
+          <p:cNvPicPr>
+            <a:picLocks noChangeAspect="1" noChangeArrowheads="1"/>
+          </p:cNvPicPr>
+          <p:nvPr/>
+        </p:nvPicPr>
+        <p:blipFill>
+          <a:blip r:embed="rId2"/>
+          <a:srcRect/>
+          <a:stretch>
+            <a:fillRect/>
+          </a:stretch>
+        </p:blipFill>
+        <p:spPr bwMode="auto">
+          <a:xfrm>
+            <a:off x="1142976" y="2482102"/>
+            <a:ext cx="2885506" cy="2161344"/>
+          </a:xfrm>
+          <a:prstGeom prst="rect">
+            <a:avLst/>
+          </a:prstGeom>
+          <a:noFill/>
+          <a:ln w="9525">
+            <a:noFill/>
+            <a:miter lim="800000"/>
+            <a:headEnd/>
+            <a:tailEnd/>
+          </a:ln>
+          <a:effectLst/>
+        </p:spPr>
+      </p:pic>
+      <p:pic>
+        <p:nvPicPr>
+          <p:cNvPr id="7172" name="Picture 4"/>
+          <p:cNvPicPr>
+            <a:picLocks noChangeAspect="1" noChangeArrowheads="1"/>
+          </p:cNvPicPr>
+          <p:nvPr/>
+        </p:nvPicPr>
+        <p:blipFill>
+          <a:blip r:embed="rId3"/>
+          <a:srcRect/>
+          <a:stretch>
+            <a:fillRect/>
+          </a:stretch>
+        </p:blipFill>
+        <p:spPr bwMode="auto">
+          <a:xfrm>
+            <a:off x="4214810" y="2500306"/>
+            <a:ext cx="3178991" cy="2119327"/>
+          </a:xfrm>
+          <a:prstGeom prst="rect">
+            <a:avLst/>
+          </a:prstGeom>
+          <a:noFill/>
+          <a:ln w="9525">
+            <a:noFill/>
+            <a:miter lim="800000"/>
+            <a:headEnd/>
+            <a:tailEnd/>
+          </a:ln>
+          <a:effectLst/>
+        </p:spPr>
+      </p:pic>
+      <p:pic>
+        <p:nvPicPr>
+          <p:cNvPr id="7173" name="Picture 5"/>
+          <p:cNvPicPr>
+            <a:picLocks noChangeAspect="1" noChangeArrowheads="1"/>
+          </p:cNvPicPr>
+          <p:nvPr/>
+        </p:nvPicPr>
+        <p:blipFill>
+          <a:blip r:embed="rId4"/>
+          <a:srcRect/>
+          <a:stretch>
+            <a:fillRect/>
+          </a:stretch>
+        </p:blipFill>
+        <p:spPr bwMode="auto">
+          <a:xfrm>
+            <a:off x="1357290" y="4857760"/>
+            <a:ext cx="2619375" cy="1743075"/>
+          </a:xfrm>
+          <a:prstGeom prst="rect">
+            <a:avLst/>
+          </a:prstGeom>
+          <a:noFill/>
+          <a:ln w="9525">
+            <a:noFill/>
+            <a:miter lim="800000"/>
+            <a:headEnd/>
+            <a:tailEnd/>
+          </a:ln>
+          <a:effectLst/>
+        </p:spPr>
+      </p:pic>
+      <p:pic>
+        <p:nvPicPr>
+          <p:cNvPr id="7174" name="Picture 6"/>
+          <p:cNvPicPr>
+            <a:picLocks noChangeAspect="1" noChangeArrowheads="1"/>
+          </p:cNvPicPr>
+          <p:nvPr/>
+        </p:nvPicPr>
+        <p:blipFill>
+          <a:blip r:embed="rId5"/>
+          <a:srcRect/>
+          <a:stretch>
+            <a:fillRect/>
+          </a:stretch>
+        </p:blipFill>
+        <p:spPr bwMode="auto">
+          <a:xfrm>
+            <a:off x="4500562" y="4857760"/>
+            <a:ext cx="2619375" cy="1743075"/>
+          </a:xfrm>
+          <a:prstGeom prst="rect">
+            <a:avLst/>
+          </a:prstGeom>
+          <a:noFill/>
+          <a:ln w="9525">
+            <a:noFill/>
+            <a:miter lim="800000"/>
+            <a:headEnd/>
+            <a:tailEnd/>
+          </a:ln>
+          <a:effectLst/>
+        </p:spPr>
+      </p:pic>
+    </p:spTree>
+  </p:cSld>
+  <p:clrMapOvr>
+    <a:masterClrMapping/>
+  </p:clrMapOvr>
+  <p:timing>
+    <p:tnLst>
+      <p:par>
+        <p:cTn id="1" dur="indefinite" restart="never" nodeType="tmRoot"/>
+      </p:par>
+    </p:tnLst>
+  </p:timing>
+</p:sld>
+</file>
+
+<file path=ppt/slides/slide12.xml><?xml version="1.0" encoding="utf-8"?>
+<p:sld xmlns:a="http://schemas.openxmlformats.org/drawingml/2006/main" xmlns:r="http://schemas.openxmlformats.org/officeDocument/2006/relationships" xmlns:p="http://schemas.openxmlformats.org/presentationml/2006/main">
+  <p:cSld>
+    <p:spTree>
+      <p:nvGrpSpPr>
+        <p:cNvPr id="1" name=""/>
+        <p:cNvGrpSpPr/>
+        <p:nvPr/>
+      </p:nvGrpSpPr>
+      <p:grpSpPr>
+        <a:xfrm>
+          <a:off x="0" y="0"/>
+          <a:ext cx="0" cy="0"/>
+          <a:chOff x="0" y="0"/>
+          <a:chExt cx="0" cy="0"/>
+        </a:xfrm>
+      </p:grpSpPr>
+      <p:pic>
+        <p:nvPicPr>
           <p:cNvPr id="7170" name="Picture 2"/>
           <p:cNvPicPr>
             <a:picLocks noChangeAspect="1" noChangeArrowheads="1"/>
@@ -3508,16 +4034,82 @@
           <a:effectLst/>
         </p:spPr>
       </p:pic>
+      <p:sp>
+        <p:nvSpPr>
+          <p:cNvPr id="6" name="Szövegdoboz 5"/>
+          <p:cNvSpPr txBox="1"/>
+          <p:nvPr/>
+        </p:nvSpPr>
+        <p:spPr>
+          <a:xfrm>
+            <a:off x="1714480" y="5143512"/>
+            <a:ext cx="6307945" cy="707886"/>
+          </a:xfrm>
+          <a:prstGeom prst="rect">
+            <a:avLst/>
+          </a:prstGeom>
+          <a:noFill/>
+        </p:spPr>
+        <p:txBody>
+          <a:bodyPr wrap="none" rtlCol="0">
+            <a:spAutoFit/>
+          </a:bodyPr>
+          <a:lstStyle/>
+          <a:p>
+            <a:r>
+              <a:rPr lang="hu-HU" sz="4000" dirty="0" err="1" smtClean="0"/>
+              <a:t>Thank</a:t>
+            </a:r>
+            <a:r>
+              <a:rPr lang="hu-HU" sz="4000" dirty="0" smtClean="0"/>
+              <a:t> </a:t>
+            </a:r>
+            <a:r>
+              <a:rPr lang="hu-HU" sz="4000" dirty="0" err="1" smtClean="0"/>
+              <a:t>you</a:t>
+            </a:r>
+            <a:r>
+              <a:rPr lang="hu-HU" sz="4000" dirty="0" smtClean="0"/>
+              <a:t> </a:t>
+            </a:r>
+            <a:r>
+              <a:rPr lang="hu-HU" sz="4000" dirty="0" err="1" smtClean="0"/>
+              <a:t>for</a:t>
+            </a:r>
+            <a:r>
+              <a:rPr lang="hu-HU" sz="4000" dirty="0" smtClean="0"/>
+              <a:t> </a:t>
+            </a:r>
+            <a:r>
+              <a:rPr lang="hu-HU" sz="4000" dirty="0" err="1" smtClean="0"/>
+              <a:t>your</a:t>
+            </a:r>
+            <a:r>
+              <a:rPr lang="hu-HU" sz="4000" dirty="0" smtClean="0"/>
+              <a:t> </a:t>
+            </a:r>
+            <a:r>
+              <a:rPr lang="hu-HU" sz="4000" dirty="0" err="1" smtClean="0"/>
+              <a:t>attention</a:t>
+            </a:r>
+            <a:r>
+              <a:rPr lang="hu-HU" sz="4000" dirty="0" smtClean="0"/>
+              <a:t>!</a:t>
+            </a:r>
+            <a:endParaRPr lang="hu-HU" sz="4000" dirty="0"/>
+          </a:p>
+        </p:txBody>
+      </p:sp>
       <p:pic>
         <p:nvPicPr>
-          <p:cNvPr id="5" name="Picture 6"/>
+          <p:cNvPr id="7" name="Picture 2"/>
           <p:cNvPicPr>
             <a:picLocks noChangeAspect="1" noChangeArrowheads="1"/>
           </p:cNvPicPr>
           <p:nvPr/>
         </p:nvPicPr>
         <p:blipFill>
-          <a:blip r:embed="rId3" cstate="print"/>
+          <a:blip r:embed="rId3"/>
           <a:srcRect/>
           <a:stretch>
             <a:fillRect/>
@@ -3525,8 +4117,8 @@
         </p:blipFill>
         <p:spPr bwMode="auto">
           <a:xfrm>
-            <a:off x="4592121" y="1071546"/>
-            <a:ext cx="2912562" cy="3214710"/>
+            <a:off x="5715008" y="1071546"/>
+            <a:ext cx="2071702" cy="3314723"/>
           </a:xfrm>
           <a:prstGeom prst="rect">
             <a:avLst/>
@@ -3541,72 +4133,6 @@
           <a:effectLst/>
         </p:spPr>
       </p:pic>
-      <p:sp>
-        <p:nvSpPr>
-          <p:cNvPr id="6" name="Szövegdoboz 5"/>
-          <p:cNvSpPr txBox="1"/>
-          <p:nvPr/>
-        </p:nvSpPr>
-        <p:spPr>
-          <a:xfrm>
-            <a:off x="1714480" y="5143512"/>
-            <a:ext cx="6307945" cy="707886"/>
-          </a:xfrm>
-          <a:prstGeom prst="rect">
-            <a:avLst/>
-          </a:prstGeom>
-          <a:noFill/>
-        </p:spPr>
-        <p:txBody>
-          <a:bodyPr wrap="none" rtlCol="0">
-            <a:spAutoFit/>
-          </a:bodyPr>
-          <a:lstStyle/>
-          <a:p>
-            <a:r>
-              <a:rPr lang="hu-HU" sz="4000" dirty="0" err="1" smtClean="0"/>
-              <a:t>Thank</a:t>
-            </a:r>
-            <a:r>
-              <a:rPr lang="hu-HU" sz="4000" dirty="0" smtClean="0"/>
-              <a:t> </a:t>
-            </a:r>
-            <a:r>
-              <a:rPr lang="hu-HU" sz="4000" dirty="0" err="1" smtClean="0"/>
-              <a:t>you</a:t>
-            </a:r>
-            <a:r>
-              <a:rPr lang="hu-HU" sz="4000" dirty="0" smtClean="0"/>
-              <a:t> </a:t>
-            </a:r>
-            <a:r>
-              <a:rPr lang="hu-HU" sz="4000" dirty="0" err="1" smtClean="0"/>
-              <a:t>for</a:t>
-            </a:r>
-            <a:r>
-              <a:rPr lang="hu-HU" sz="4000" dirty="0" smtClean="0"/>
-              <a:t> </a:t>
-            </a:r>
-            <a:r>
-              <a:rPr lang="hu-HU" sz="4000" dirty="0" err="1" smtClean="0"/>
-              <a:t>your</a:t>
-            </a:r>
-            <a:r>
-              <a:rPr lang="hu-HU" sz="4000" dirty="0" smtClean="0"/>
-              <a:t> </a:t>
-            </a:r>
-            <a:r>
-              <a:rPr lang="hu-HU" sz="4000" dirty="0" err="1" smtClean="0"/>
-              <a:t>attention</a:t>
-            </a:r>
-            <a:r>
-              <a:rPr lang="hu-HU" sz="4000" dirty="0" smtClean="0"/>
-              <a:t>!</a:t>
-            </a:r>
-            <a:endParaRPr lang="hu-HU" sz="4000" dirty="0"/>
-          </a:p>
-        </p:txBody>
-      </p:sp>
     </p:spTree>
   </p:cSld>
   <p:clrMapOvr>
@@ -3661,6 +4187,7 @@
           </a:bodyPr>
           <a:lstStyle/>
           <a:p>
+            <a:pPr algn="ctr"/>
             <a:r>
               <a:rPr lang="hu-HU" sz="2800" dirty="0" err="1" smtClean="0"/>
               <a:t>Introduction</a:t>
@@ -4099,7 +4626,7 @@
         <p:spPr>
           <a:xfrm>
             <a:off x="571472" y="928670"/>
-            <a:ext cx="7446847" cy="1815882"/>
+            <a:ext cx="8390182" cy="1815882"/>
           </a:xfrm>
           <a:prstGeom prst="rect">
             <a:avLst/>
@@ -4113,28 +4640,8 @@
           <a:lstStyle/>
           <a:p>
             <a:r>
-              <a:rPr lang="hu-HU" sz="2800" dirty="0" smtClean="0"/>
-              <a:t>And </a:t>
-            </a:r>
-            <a:r>
-              <a:rPr lang="hu-HU" sz="2800" dirty="0" err="1" smtClean="0"/>
-              <a:t>now</a:t>
-            </a:r>
-            <a:r>
-              <a:rPr lang="hu-HU" sz="2800" dirty="0" smtClean="0"/>
-              <a:t> I am </a:t>
-            </a:r>
-            <a:r>
-              <a:rPr lang="hu-HU" sz="2800" dirty="0" err="1" smtClean="0"/>
-              <a:t>in</a:t>
-            </a:r>
-            <a:r>
-              <a:rPr lang="hu-HU" sz="2800" dirty="0" smtClean="0"/>
-              <a:t> a boot </a:t>
-            </a:r>
-            <a:r>
-              <a:rPr lang="hu-HU" sz="2800" dirty="0" err="1" smtClean="0"/>
-              <a:t>camp</a:t>
+              <a:rPr lang="hu-HU" sz="2800" dirty="0" err="1" smtClean="0"/>
+              <a:t>After</a:t>
             </a:r>
             <a:r>
               <a:rPr lang="hu-HU" sz="2800" dirty="0" smtClean="0"/>
@@ -4142,7 +4649,7 @@
             </a:r>
             <a:r>
               <a:rPr lang="hu-HU" sz="2800" dirty="0" err="1" smtClean="0"/>
-              <a:t>learning</a:t>
+              <a:t>playing</a:t>
             </a:r>
             <a:r>
               <a:rPr lang="hu-HU" sz="2800" dirty="0" smtClean="0"/>
@@ -4150,21 +4657,7 @@
             </a:r>
             <a:r>
               <a:rPr lang="hu-HU" sz="2800" dirty="0" err="1" smtClean="0"/>
-              <a:t>for</a:t>
-            </a:r>
-            <a:r>
-              <a:rPr lang="hu-HU" sz="2800" dirty="0" smtClean="0"/>
-              <a:t> junior</a:t>
-            </a:r>
-          </a:p>
-          <a:p>
-            <a:r>
-              <a:rPr lang="hu-HU" sz="2800" dirty="0" smtClean="0"/>
-              <a:t>Hardware </a:t>
-            </a:r>
-            <a:r>
-              <a:rPr lang="hu-HU" sz="2800" dirty="0" err="1" smtClean="0"/>
-              <a:t>programmer</a:t>
+              <a:t>with</a:t>
             </a:r>
             <a:r>
               <a:rPr lang="hu-HU" sz="2800" dirty="0" smtClean="0"/>
@@ -4172,7 +4665,15 @@
             </a:r>
             <a:r>
               <a:rPr lang="hu-HU" sz="2800" dirty="0" err="1" smtClean="0"/>
-              <a:t>at</a:t>
+              <a:t>arduino</a:t>
+            </a:r>
+            <a:r>
+              <a:rPr lang="hu-HU" sz="2800" dirty="0" smtClean="0"/>
+              <a:t> I </a:t>
+            </a:r>
+            <a:r>
+              <a:rPr lang="hu-HU" sz="2800" dirty="0" err="1" smtClean="0"/>
+              <a:t>decided</a:t>
             </a:r>
             <a:r>
               <a:rPr lang="hu-HU" sz="2800" dirty="0" smtClean="0"/>
@@ -4180,6 +4681,22 @@
             </a:r>
             <a:r>
               <a:rPr lang="hu-HU" sz="2800" dirty="0" err="1" smtClean="0"/>
+              <a:t>to</a:t>
+            </a:r>
+            <a:r>
+              <a:rPr lang="hu-HU" sz="2800" dirty="0" smtClean="0"/>
+              <a:t> </a:t>
+            </a:r>
+            <a:r>
+              <a:rPr lang="hu-HU" sz="2800" dirty="0" err="1" smtClean="0"/>
+              <a:t>join</a:t>
+            </a:r>
+            <a:r>
+              <a:rPr lang="hu-HU" sz="2800" dirty="0" smtClean="0"/>
+              <a:t> </a:t>
+            </a:r>
+            <a:r>
+              <a:rPr lang="hu-HU" sz="2800" dirty="0" err="1" smtClean="0"/>
               <a:t>the</a:t>
             </a:r>
             <a:r>
@@ -4188,7 +4705,22 @@
             </a:r>
             <a:r>
               <a:rPr lang="hu-HU" sz="2800" dirty="0" err="1" smtClean="0"/>
-              <a:t>Green</a:t>
+              <a:t>h</a:t>
+            </a:r>
+            <a:r>
+              <a:rPr lang="hu-HU" sz="2800" dirty="0" err="1" smtClean="0"/>
+              <a:t>ardvare</a:t>
+            </a:r>
+            <a:endParaRPr lang="hu-HU" sz="2800" dirty="0" smtClean="0"/>
+          </a:p>
+          <a:p>
+            <a:r>
+              <a:rPr lang="hu-HU" sz="2800" dirty="0" err="1" smtClean="0"/>
+              <a:t>p</a:t>
+            </a:r>
+            <a:r>
+              <a:rPr lang="hu-HU" sz="2800" dirty="0" err="1" smtClean="0"/>
+              <a:t>rogrammer</a:t>
             </a:r>
             <a:r>
               <a:rPr lang="hu-HU" sz="2800" dirty="0" smtClean="0"/>
@@ -4196,7 +4728,15 @@
             </a:r>
             <a:r>
               <a:rPr lang="hu-HU" sz="2800" dirty="0" err="1" smtClean="0"/>
-              <a:t>fox</a:t>
+              <a:t>course</a:t>
+            </a:r>
+            <a:r>
+              <a:rPr lang="hu-HU" sz="2800" dirty="0" smtClean="0"/>
+              <a:t> of </a:t>
+            </a:r>
+            <a:r>
+              <a:rPr lang="hu-HU" sz="2800" dirty="0" err="1" smtClean="0"/>
+              <a:t>Greenfox</a:t>
             </a:r>
             <a:r>
               <a:rPr lang="hu-HU" sz="2800" dirty="0" smtClean="0"/>
@@ -4206,10 +4746,7 @@
               <a:rPr lang="hu-HU" sz="2800" dirty="0" err="1" smtClean="0"/>
               <a:t>Academy</a:t>
             </a:r>
-            <a:r>
-              <a:rPr lang="hu-HU" sz="2800" dirty="0" smtClean="0"/>
-              <a:t>.</a:t>
-            </a:r>
+            <a:endParaRPr lang="hu-HU" sz="2800" dirty="0" smtClean="0"/>
           </a:p>
           <a:p>
             <a:endParaRPr lang="hu-HU" sz="2800" dirty="0" smtClean="0"/>
@@ -4221,7 +4758,7 @@
       </p:sp>
       <p:pic>
         <p:nvPicPr>
-          <p:cNvPr id="2052" name="Picture 4" descr="https://static.wixstatic.com/media/f4461b_2b82d418d4d24019834d72b5aae5bca5~mv2_d_9000_4167_s_4_2.png/v1/fill/w_250,h_49,al_c,usm_0.66_1.00_0.01/f4461b_2b82d418d4d24019834d72b5aae5bca5~mv2_d_9000_4167_s_4_2.png"/>
+          <p:cNvPr id="24579" name="Picture 3"/>
           <p:cNvPicPr>
             <a:picLocks noChangeAspect="1" noChangeArrowheads="1"/>
           </p:cNvPicPr>
@@ -4236,8 +4773,41 @@
         </p:blipFill>
         <p:spPr bwMode="auto">
           <a:xfrm>
-            <a:off x="642910" y="3357562"/>
-            <a:ext cx="7654055" cy="1500198"/>
+            <a:off x="4143372" y="3857628"/>
+            <a:ext cx="4714888" cy="2640337"/>
+          </a:xfrm>
+          <a:prstGeom prst="rect">
+            <a:avLst/>
+          </a:prstGeom>
+          <a:noFill/>
+          <a:ln w="9525">
+            <a:noFill/>
+            <a:miter lim="800000"/>
+            <a:headEnd/>
+            <a:tailEnd/>
+          </a:ln>
+          <a:effectLst/>
+        </p:spPr>
+      </p:pic>
+      <p:pic>
+        <p:nvPicPr>
+          <p:cNvPr id="24578" name="Picture 2" descr="Képtalálat a következőre: „arduino”"/>
+          <p:cNvPicPr>
+            <a:picLocks noChangeAspect="1" noChangeArrowheads="1"/>
+          </p:cNvPicPr>
+          <p:nvPr/>
+        </p:nvPicPr>
+        <p:blipFill>
+          <a:blip r:embed="rId3"/>
+          <a:srcRect/>
+          <a:stretch>
+            <a:fillRect/>
+          </a:stretch>
+        </p:blipFill>
+        <p:spPr bwMode="auto">
+          <a:xfrm>
+            <a:off x="642911" y="2071678"/>
+            <a:ext cx="5000660" cy="1975052"/>
           </a:xfrm>
           <a:prstGeom prst="rect">
             <a:avLst/>
@@ -4250,13 +4820,6 @@
   <p:clrMapOvr>
     <a:masterClrMapping/>
   </p:clrMapOvr>
-  <p:timing>
-    <p:tnLst>
-      <p:par>
-        <p:cTn id="1" dur="indefinite" restart="never" nodeType="tmRoot"/>
-      </p:par>
-    </p:tnLst>
-  </p:timing>
 </p:sld>
 </file>
 
@@ -4279,7 +4842,7 @@
       </p:grpSpPr>
       <p:pic>
         <p:nvPicPr>
-          <p:cNvPr id="22530" name="Picture 2"/>
+          <p:cNvPr id="2052" name="Picture 4" descr="https://static.wixstatic.com/media/f4461b_2b82d418d4d24019834d72b5aae5bca5~mv2_d_9000_4167_s_4_2.png/v1/fill/w_250,h_49,al_c,usm_0.66_1.00_0.01/f4461b_2b82d418d4d24019834d72b5aae5bca5~mv2_d_9000_4167_s_4_2.png"/>
           <p:cNvPicPr>
             <a:picLocks noChangeAspect="1" noChangeArrowheads="1"/>
           </p:cNvPicPr>
@@ -4294,53 +4857,13 @@
         </p:blipFill>
         <p:spPr bwMode="auto">
           <a:xfrm>
-            <a:off x="1643042" y="4786322"/>
-            <a:ext cx="1428760" cy="1428760"/>
+            <a:off x="642910" y="2285992"/>
+            <a:ext cx="7654055" cy="1500198"/>
           </a:xfrm>
           <a:prstGeom prst="rect">
             <a:avLst/>
           </a:prstGeom>
           <a:noFill/>
-          <a:ln w="9525">
-            <a:noFill/>
-            <a:miter lim="800000"/>
-            <a:headEnd/>
-            <a:tailEnd/>
-          </a:ln>
-          <a:effectLst/>
-        </p:spPr>
-      </p:pic>
-      <p:pic>
-        <p:nvPicPr>
-          <p:cNvPr id="22531" name="Picture 3"/>
-          <p:cNvPicPr>
-            <a:picLocks noChangeAspect="1" noChangeArrowheads="1"/>
-          </p:cNvPicPr>
-          <p:nvPr/>
-        </p:nvPicPr>
-        <p:blipFill>
-          <a:blip r:embed="rId3"/>
-          <a:srcRect/>
-          <a:stretch>
-            <a:fillRect/>
-          </a:stretch>
-        </p:blipFill>
-        <p:spPr bwMode="auto">
-          <a:xfrm>
-            <a:off x="3571868" y="4429132"/>
-            <a:ext cx="1357322" cy="1738325"/>
-          </a:xfrm>
-          <a:prstGeom prst="rect">
-            <a:avLst/>
-          </a:prstGeom>
-          <a:noFill/>
-          <a:ln w="9525">
-            <a:noFill/>
-            <a:miter lim="800000"/>
-            <a:headEnd/>
-            <a:tailEnd/>
-          </a:ln>
-          <a:effectLst/>
         </p:spPr>
       </p:pic>
     </p:spTree>
@@ -4377,7 +4900,7 @@
       </p:grpSpPr>
       <p:pic>
         <p:nvPicPr>
-          <p:cNvPr id="22530" name="Picture 2"/>
+          <p:cNvPr id="3074" name="Picture 2"/>
           <p:cNvPicPr>
             <a:picLocks noChangeAspect="1" noChangeArrowheads="1"/>
           </p:cNvPicPr>
@@ -4392,8 +4915,8 @@
         </p:blipFill>
         <p:spPr bwMode="auto">
           <a:xfrm>
-            <a:off x="214282" y="5214950"/>
-            <a:ext cx="1428760" cy="1428760"/>
+            <a:off x="2357422" y="5857892"/>
+            <a:ext cx="5443228" cy="785818"/>
           </a:xfrm>
           <a:prstGeom prst="rect">
             <a:avLst/>
@@ -4410,7 +4933,7 @@
       </p:pic>
       <p:pic>
         <p:nvPicPr>
-          <p:cNvPr id="23555" name="Picture 3"/>
+          <p:cNvPr id="22530" name="Picture 2"/>
           <p:cNvPicPr>
             <a:picLocks noChangeAspect="1" noChangeArrowheads="1"/>
           </p:cNvPicPr>
@@ -4425,8 +4948,8 @@
         </p:blipFill>
         <p:spPr bwMode="auto">
           <a:xfrm>
-            <a:off x="1922948" y="285728"/>
-            <a:ext cx="6300452" cy="6286544"/>
+            <a:off x="571472" y="5000636"/>
+            <a:ext cx="1428760" cy="1428760"/>
           </a:xfrm>
           <a:prstGeom prst="rect">
             <a:avLst/>
@@ -4441,6 +4964,69 @@
           <a:effectLst/>
         </p:spPr>
       </p:pic>
+      <p:pic>
+        <p:nvPicPr>
+          <p:cNvPr id="3073" name="Picture 1"/>
+          <p:cNvPicPr>
+            <a:picLocks noChangeAspect="1" noChangeArrowheads="1"/>
+          </p:cNvPicPr>
+          <p:nvPr/>
+        </p:nvPicPr>
+        <p:blipFill>
+          <a:blip r:embed="rId4"/>
+          <a:srcRect/>
+          <a:stretch>
+            <a:fillRect/>
+          </a:stretch>
+        </p:blipFill>
+        <p:spPr bwMode="auto">
+          <a:xfrm>
+            <a:off x="4857752" y="5929330"/>
+            <a:ext cx="438150" cy="409575"/>
+          </a:xfrm>
+          <a:prstGeom prst="rect">
+            <a:avLst/>
+          </a:prstGeom>
+          <a:noFill/>
+          <a:ln w="9525">
+            <a:noFill/>
+            <a:miter lim="800000"/>
+            <a:headEnd/>
+            <a:tailEnd/>
+          </a:ln>
+          <a:effectLst/>
+        </p:spPr>
+      </p:pic>
+      <p:sp>
+        <p:nvSpPr>
+          <p:cNvPr id="6" name="Szövegdoboz 5"/>
+          <p:cNvSpPr txBox="1"/>
+          <p:nvPr/>
+        </p:nvSpPr>
+        <p:spPr>
+          <a:xfrm>
+            <a:off x="4929190" y="5929330"/>
+            <a:ext cx="308098" cy="369332"/>
+          </a:xfrm>
+          <a:prstGeom prst="rect">
+            <a:avLst/>
+          </a:prstGeom>
+          <a:noFill/>
+        </p:spPr>
+        <p:txBody>
+          <a:bodyPr wrap="none" rtlCol="0">
+            <a:spAutoFit/>
+          </a:bodyPr>
+          <a:lstStyle/>
+          <a:p>
+            <a:r>
+              <a:rPr lang="hu-HU" dirty="0" smtClean="0"/>
+              <a:t>C</a:t>
+            </a:r>
+            <a:endParaRPr lang="hu-HU" dirty="0"/>
+          </a:p>
+        </p:txBody>
+      </p:sp>
     </p:spTree>
   </p:cSld>
   <p:clrMapOvr>
@@ -4473,90 +5059,9 @@
           <a:chExt cx="0" cy="0"/>
         </a:xfrm>
       </p:grpSpPr>
-      <p:sp>
-        <p:nvSpPr>
-          <p:cNvPr id="3" name="Szövegdoboz 2"/>
-          <p:cNvSpPr txBox="1"/>
-          <p:nvPr/>
-        </p:nvSpPr>
-        <p:spPr>
-          <a:xfrm>
-            <a:off x="785786" y="642918"/>
-            <a:ext cx="6822830" cy="954107"/>
-          </a:xfrm>
-          <a:prstGeom prst="rect">
-            <a:avLst/>
-          </a:prstGeom>
-          <a:noFill/>
-        </p:spPr>
-        <p:txBody>
-          <a:bodyPr wrap="none" rtlCol="0">
-            <a:spAutoFit/>
-          </a:bodyPr>
-          <a:lstStyle/>
-          <a:p>
-            <a:r>
-              <a:rPr lang="hu-HU" sz="2800" dirty="0" err="1" smtClean="0"/>
-              <a:t>Last</a:t>
-            </a:r>
-            <a:r>
-              <a:rPr lang="hu-HU" sz="2800" dirty="0" smtClean="0"/>
-              <a:t> </a:t>
-            </a:r>
-            <a:r>
-              <a:rPr lang="hu-HU" sz="2800" dirty="0" err="1" smtClean="0"/>
-              <a:t>week</a:t>
-            </a:r>
-            <a:r>
-              <a:rPr lang="hu-HU" sz="2800" dirty="0" smtClean="0"/>
-              <a:t> </a:t>
-            </a:r>
-            <a:r>
-              <a:rPr lang="hu-HU" sz="2800" dirty="0" err="1" smtClean="0"/>
-              <a:t>we</a:t>
-            </a:r>
-            <a:r>
-              <a:rPr lang="hu-HU" sz="2800" dirty="0" smtClean="0"/>
-              <a:t> </a:t>
-            </a:r>
-            <a:r>
-              <a:rPr lang="hu-HU" sz="2800" dirty="0" err="1" smtClean="0"/>
-              <a:t>started</a:t>
-            </a:r>
-            <a:r>
-              <a:rPr lang="hu-HU" sz="2800" dirty="0" smtClean="0"/>
-              <a:t> </a:t>
-            </a:r>
-            <a:r>
-              <a:rPr lang="hu-HU" sz="2800" dirty="0" err="1" smtClean="0"/>
-              <a:t>the</a:t>
-            </a:r>
-            <a:r>
-              <a:rPr lang="hu-HU" sz="2800" dirty="0" smtClean="0"/>
-              <a:t> </a:t>
-            </a:r>
-            <a:r>
-              <a:rPr lang="hu-HU" sz="2800" dirty="0" err="1" smtClean="0"/>
-              <a:t>basics</a:t>
-            </a:r>
-            <a:r>
-              <a:rPr lang="hu-HU" sz="2800" dirty="0" smtClean="0"/>
-              <a:t> of C </a:t>
-            </a:r>
-            <a:r>
-              <a:rPr lang="hu-HU" sz="2800" dirty="0" err="1" smtClean="0"/>
-              <a:t>language</a:t>
-            </a:r>
-            <a:endParaRPr lang="hu-HU" sz="2800" dirty="0" smtClean="0"/>
-          </a:p>
-          <a:p>
-            <a:endParaRPr lang="hu-HU" sz="2800" dirty="0"/>
-          </a:p>
-        </p:txBody>
-      </p:sp>
       <p:pic>
         <p:nvPicPr>
-          <p:cNvPr id="5122" name="Picture 2" descr="Text in light blue serif capital letters on white background and very large light blue sans-serif letter C."/>
+          <p:cNvPr id="22530" name="Picture 2"/>
           <p:cNvPicPr>
             <a:picLocks noChangeAspect="1" noChangeArrowheads="1"/>
           </p:cNvPicPr>
@@ -4571,18 +5076,25 @@
         </p:blipFill>
         <p:spPr bwMode="auto">
           <a:xfrm>
-            <a:off x="2071670" y="2000240"/>
-            <a:ext cx="3490391" cy="3714776"/>
+            <a:off x="571472" y="5000636"/>
+            <a:ext cx="1428760" cy="1428760"/>
           </a:xfrm>
           <a:prstGeom prst="rect">
             <a:avLst/>
           </a:prstGeom>
           <a:noFill/>
+          <a:ln w="9525">
+            <a:noFill/>
+            <a:miter lim="800000"/>
+            <a:headEnd/>
+            <a:tailEnd/>
+          </a:ln>
+          <a:effectLst/>
         </p:spPr>
       </p:pic>
       <p:pic>
         <p:nvPicPr>
-          <p:cNvPr id="4098" name="Picture 2" descr="https://upload.wikimedia.org/wikipedia/commons/thumb/3/36/Ken_n_dennis.jpg/220px-Ken_n_dennis.jpg"/>
+          <p:cNvPr id="22531" name="Picture 3"/>
           <p:cNvPicPr>
             <a:picLocks noChangeAspect="1" noChangeArrowheads="1"/>
           </p:cNvPicPr>
@@ -4597,13 +5109,53 @@
         </p:blipFill>
         <p:spPr bwMode="auto">
           <a:xfrm>
-            <a:off x="5286380" y="2428868"/>
-            <a:ext cx="2754928" cy="1790703"/>
+            <a:off x="3643306" y="4071942"/>
+            <a:ext cx="1357322" cy="1738325"/>
           </a:xfrm>
           <a:prstGeom prst="rect">
             <a:avLst/>
           </a:prstGeom>
           <a:noFill/>
+          <a:ln w="9525">
+            <a:noFill/>
+            <a:miter lim="800000"/>
+            <a:headEnd/>
+            <a:tailEnd/>
+          </a:ln>
+          <a:effectLst/>
+        </p:spPr>
+      </p:pic>
+      <p:pic>
+        <p:nvPicPr>
+          <p:cNvPr id="4" name="Picture 2"/>
+          <p:cNvPicPr>
+            <a:picLocks noChangeAspect="1" noChangeArrowheads="1"/>
+          </p:cNvPicPr>
+          <p:nvPr/>
+        </p:nvPicPr>
+        <p:blipFill>
+          <a:blip r:embed="rId4"/>
+          <a:srcRect/>
+          <a:stretch>
+            <a:fillRect/>
+          </a:stretch>
+        </p:blipFill>
+        <p:spPr bwMode="auto">
+          <a:xfrm>
+            <a:off x="2357422" y="5857892"/>
+            <a:ext cx="5443228" cy="785818"/>
+          </a:xfrm>
+          <a:prstGeom prst="rect">
+            <a:avLst/>
+          </a:prstGeom>
+          <a:noFill/>
+          <a:ln w="9525">
+            <a:noFill/>
+            <a:miter lim="800000"/>
+            <a:headEnd/>
+            <a:tailEnd/>
+          </a:ln>
+          <a:effectLst/>
         </p:spPr>
       </p:pic>
     </p:spTree>
@@ -4640,7 +5192,7 @@
       </p:grpSpPr>
       <p:pic>
         <p:nvPicPr>
-          <p:cNvPr id="4097" name="Picture 1"/>
+          <p:cNvPr id="22530" name="Picture 2"/>
           <p:cNvPicPr>
             <a:picLocks noChangeAspect="1" noChangeArrowheads="1"/>
           </p:cNvPicPr>
@@ -4655,8 +5207,74 @@
         </p:blipFill>
         <p:spPr bwMode="auto">
           <a:xfrm>
-            <a:off x="214282" y="1571612"/>
-            <a:ext cx="8596037" cy="3929090"/>
+            <a:off x="214282" y="5214950"/>
+            <a:ext cx="1428760" cy="1428760"/>
+          </a:xfrm>
+          <a:prstGeom prst="rect">
+            <a:avLst/>
+          </a:prstGeom>
+          <a:noFill/>
+          <a:ln w="9525">
+            <a:noFill/>
+            <a:miter lim="800000"/>
+            <a:headEnd/>
+            <a:tailEnd/>
+          </a:ln>
+          <a:effectLst/>
+        </p:spPr>
+      </p:pic>
+      <p:pic>
+        <p:nvPicPr>
+          <p:cNvPr id="23555" name="Picture 3"/>
+          <p:cNvPicPr>
+            <a:picLocks noChangeAspect="1" noChangeArrowheads="1"/>
+          </p:cNvPicPr>
+          <p:nvPr/>
+        </p:nvPicPr>
+        <p:blipFill>
+          <a:blip r:embed="rId3"/>
+          <a:srcRect/>
+          <a:stretch>
+            <a:fillRect/>
+          </a:stretch>
+        </p:blipFill>
+        <p:spPr bwMode="auto">
+          <a:xfrm>
+            <a:off x="1857356" y="428604"/>
+            <a:ext cx="5656088" cy="5643602"/>
+          </a:xfrm>
+          <a:prstGeom prst="rect">
+            <a:avLst/>
+          </a:prstGeom>
+          <a:noFill/>
+          <a:ln w="9525">
+            <a:noFill/>
+            <a:miter lim="800000"/>
+            <a:headEnd/>
+            <a:tailEnd/>
+          </a:ln>
+          <a:effectLst/>
+        </p:spPr>
+      </p:pic>
+      <p:pic>
+        <p:nvPicPr>
+          <p:cNvPr id="4" name="Picture 2"/>
+          <p:cNvPicPr>
+            <a:picLocks noChangeAspect="1" noChangeArrowheads="1"/>
+          </p:cNvPicPr>
+          <p:nvPr/>
+        </p:nvPicPr>
+        <p:blipFill>
+          <a:blip r:embed="rId4"/>
+          <a:srcRect/>
+          <a:stretch>
+            <a:fillRect/>
+          </a:stretch>
+        </p:blipFill>
+        <p:spPr bwMode="auto">
+          <a:xfrm>
+            <a:off x="2000232" y="6072182"/>
+            <a:ext cx="5443228" cy="785818"/>
           </a:xfrm>
           <a:prstGeom prst="rect">
             <a:avLst/>
@@ -4703,65 +5321,135 @@
           <a:chExt cx="0" cy="0"/>
         </a:xfrm>
       </p:grpSpPr>
-      <p:pic>
-        <p:nvPicPr>
-          <p:cNvPr id="20485" name="Picture 5"/>
-          <p:cNvPicPr>
-            <a:picLocks noChangeAspect="1" noChangeArrowheads="1"/>
-          </p:cNvPicPr>
+      <p:sp>
+        <p:nvSpPr>
+          <p:cNvPr id="5" name="Szövegdoboz 4"/>
+          <p:cNvSpPr txBox="1"/>
           <p:nvPr/>
-        </p:nvPicPr>
-        <p:blipFill>
-          <a:blip r:embed="rId2"/>
-          <a:srcRect/>
-          <a:stretch>
-            <a:fillRect/>
-          </a:stretch>
-        </p:blipFill>
-        <p:spPr bwMode="auto">
-          <a:xfrm>
-            <a:off x="0" y="0"/>
-            <a:ext cx="9197670" cy="4214818"/>
+        </p:nvSpPr>
+        <p:spPr>
+          <a:xfrm>
+            <a:off x="571472" y="928670"/>
+            <a:ext cx="5529142" cy="3539430"/>
           </a:xfrm>
           <a:prstGeom prst="rect">
             <a:avLst/>
           </a:prstGeom>
           <a:noFill/>
-          <a:ln w="9525">
-            <a:noFill/>
-            <a:miter lim="800000"/>
-            <a:headEnd/>
-            <a:tailEnd/>
-          </a:ln>
-          <a:effectLst/>
-        </p:spPr>
-      </p:pic>
-      <p:pic>
-        <p:nvPicPr>
-          <p:cNvPr id="20487" name="Picture 7" descr="https://camo.githubusercontent.com/7e8a196044e7624e91c6c1c603b0b97e6772ba7c/68747470733a2f2f696d6775722e636f6d2f3766306a4944572e676966"/>
-          <p:cNvPicPr>
-            <a:picLocks noChangeAspect="1" noChangeArrowheads="1" noCrop="1"/>
-          </p:cNvPicPr>
-          <p:nvPr/>
-        </p:nvPicPr>
-        <p:blipFill>
-          <a:blip r:embed="rId3"/>
-          <a:srcRect/>
-          <a:stretch>
-            <a:fillRect/>
-          </a:stretch>
-        </p:blipFill>
-        <p:spPr bwMode="auto">
-          <a:xfrm>
-            <a:off x="1785918" y="4214818"/>
-            <a:ext cx="4148118" cy="2324770"/>
-          </a:xfrm>
-          <a:prstGeom prst="rect">
-            <a:avLst/>
-          </a:prstGeom>
-          <a:noFill/>
-        </p:spPr>
-      </p:pic>
+        </p:spPr>
+        <p:txBody>
+          <a:bodyPr wrap="none" rtlCol="0">
+            <a:spAutoFit/>
+          </a:bodyPr>
+          <a:lstStyle/>
+          <a:p>
+            <a:r>
+              <a:rPr lang="hu-HU" sz="2800" dirty="0" err="1" smtClean="0"/>
+              <a:t>This</a:t>
+            </a:r>
+            <a:r>
+              <a:rPr lang="hu-HU" sz="2800" dirty="0" smtClean="0"/>
+              <a:t> </a:t>
+            </a:r>
+            <a:r>
+              <a:rPr lang="hu-HU" sz="2800" dirty="0" err="1" smtClean="0"/>
+              <a:t>week</a:t>
+            </a:r>
+            <a:r>
+              <a:rPr lang="hu-HU" sz="2800" dirty="0" smtClean="0"/>
+              <a:t> </a:t>
+            </a:r>
+            <a:r>
+              <a:rPr lang="hu-HU" sz="2800" dirty="0" err="1" smtClean="0"/>
+              <a:t>activity</a:t>
+            </a:r>
+            <a:r>
+              <a:rPr lang="hu-HU" sz="2800" dirty="0" smtClean="0"/>
+              <a:t>:</a:t>
+            </a:r>
+          </a:p>
+          <a:p>
+            <a:endParaRPr lang="hu-HU" sz="2800" dirty="0" smtClean="0"/>
+          </a:p>
+          <a:p>
+            <a:r>
+              <a:rPr lang="hu-HU" sz="2800" dirty="0" err="1" smtClean="0"/>
+              <a:t>Language</a:t>
+            </a:r>
+            <a:r>
+              <a:rPr lang="hu-HU" sz="2800" dirty="0" smtClean="0"/>
+              <a:t> C </a:t>
+            </a:r>
+          </a:p>
+          <a:p>
+            <a:endParaRPr lang="hu-HU" sz="2800" dirty="0" smtClean="0"/>
+          </a:p>
+          <a:p>
+            <a:r>
+              <a:rPr lang="hu-HU" sz="2800" dirty="0" err="1" smtClean="0"/>
+              <a:t>Parsing</a:t>
+            </a:r>
+            <a:r>
+              <a:rPr lang="hu-HU" sz="2800" dirty="0" smtClean="0"/>
+              <a:t> and </a:t>
+            </a:r>
+            <a:r>
+              <a:rPr lang="hu-HU" sz="2800" dirty="0" err="1" smtClean="0"/>
+              <a:t>transforming</a:t>
+            </a:r>
+            <a:r>
+              <a:rPr lang="hu-HU" sz="2800" dirty="0" smtClean="0"/>
+              <a:t> </a:t>
+            </a:r>
+            <a:r>
+              <a:rPr lang="hu-HU" sz="2800" dirty="0" err="1" smtClean="0"/>
+              <a:t>s</a:t>
+            </a:r>
+            <a:r>
+              <a:rPr lang="hu-HU" sz="2800" dirty="0" err="1" smtClean="0"/>
+              <a:t>trings</a:t>
+            </a:r>
+            <a:endParaRPr lang="hu-HU" sz="2800" dirty="0" smtClean="0"/>
+          </a:p>
+          <a:p>
+            <a:endParaRPr lang="hu-HU" sz="2800" dirty="0" smtClean="0"/>
+          </a:p>
+          <a:p>
+            <a:endParaRPr lang="hu-HU" sz="2800" dirty="0" smtClean="0"/>
+          </a:p>
+          <a:p>
+            <a:r>
+              <a:rPr lang="hu-HU" sz="2800" dirty="0" smtClean="0"/>
+              <a:t>And </a:t>
+            </a:r>
+            <a:r>
+              <a:rPr lang="hu-HU" sz="2800" dirty="0" err="1" smtClean="0"/>
+              <a:t>build</a:t>
+            </a:r>
+            <a:r>
+              <a:rPr lang="hu-HU" sz="2800" dirty="0" smtClean="0"/>
+              <a:t> a </a:t>
+            </a:r>
+            <a:r>
+              <a:rPr lang="hu-HU" sz="2800" dirty="0" err="1" smtClean="0"/>
+              <a:t>command-line</a:t>
+            </a:r>
+            <a:r>
+              <a:rPr lang="hu-HU" sz="2800" dirty="0" smtClean="0"/>
+              <a:t> </a:t>
+            </a:r>
+            <a:r>
+              <a:rPr lang="hu-HU" sz="2800" dirty="0" err="1" smtClean="0"/>
+              <a:t>c</a:t>
+            </a:r>
+            <a:r>
+              <a:rPr lang="hu-HU" sz="2800" dirty="0" err="1" smtClean="0"/>
+              <a:t>alculator</a:t>
+            </a:r>
+            <a:endParaRPr lang="hu-HU" sz="2800" dirty="0"/>
+          </a:p>
+        </p:txBody>
+      </p:sp>
     </p:spTree>
   </p:cSld>
   <p:clrMapOvr>
